--- a/report SVM handcrafted and PCA/AUTHENTICATION AE3(n-0.5n-n).pptx
+++ b/report SVM handcrafted and PCA/AUTHENTICATION AE3(n-0.5n-n).pptx
@@ -256,7 +256,7 @@
           <a:p>
             <a:fld id="{553A844F-FF5C-934C-B225-48B8FD889570}" type="datetimeFigureOut">
               <a:rPr lang="en-US" smtClean="0"/>
-              <a:t>10/28/2017</a:t>
+              <a:t>11/6/2017</a:t>
             </a:fld>
             <a:endParaRPr lang="en-US"/>
           </a:p>
@@ -426,7 +426,7 @@
           <a:p>
             <a:fld id="{553A844F-FF5C-934C-B225-48B8FD889570}" type="datetimeFigureOut">
               <a:rPr lang="en-US" smtClean="0"/>
-              <a:t>10/28/2017</a:t>
+              <a:t>11/6/2017</a:t>
             </a:fld>
             <a:endParaRPr lang="en-US"/>
           </a:p>
@@ -606,7 +606,7 @@
           <a:p>
             <a:fld id="{553A844F-FF5C-934C-B225-48B8FD889570}" type="datetimeFigureOut">
               <a:rPr lang="en-US" smtClean="0"/>
-              <a:t>10/28/2017</a:t>
+              <a:t>11/6/2017</a:t>
             </a:fld>
             <a:endParaRPr lang="en-US"/>
           </a:p>
@@ -776,7 +776,7 @@
           <a:p>
             <a:fld id="{553A844F-FF5C-934C-B225-48B8FD889570}" type="datetimeFigureOut">
               <a:rPr lang="en-US" smtClean="0"/>
-              <a:t>10/28/2017</a:t>
+              <a:t>11/6/2017</a:t>
             </a:fld>
             <a:endParaRPr lang="en-US"/>
           </a:p>
@@ -1022,7 +1022,7 @@
           <a:p>
             <a:fld id="{553A844F-FF5C-934C-B225-48B8FD889570}" type="datetimeFigureOut">
               <a:rPr lang="en-US" smtClean="0"/>
-              <a:t>10/28/2017</a:t>
+              <a:t>11/6/2017</a:t>
             </a:fld>
             <a:endParaRPr lang="en-US"/>
           </a:p>
@@ -1254,7 +1254,7 @@
           <a:p>
             <a:fld id="{553A844F-FF5C-934C-B225-48B8FD889570}" type="datetimeFigureOut">
               <a:rPr lang="en-US" smtClean="0"/>
-              <a:t>10/28/2017</a:t>
+              <a:t>11/6/2017</a:t>
             </a:fld>
             <a:endParaRPr lang="en-US"/>
           </a:p>
@@ -1621,7 +1621,7 @@
           <a:p>
             <a:fld id="{553A844F-FF5C-934C-B225-48B8FD889570}" type="datetimeFigureOut">
               <a:rPr lang="en-US" smtClean="0"/>
-              <a:t>10/28/2017</a:t>
+              <a:t>11/6/2017</a:t>
             </a:fld>
             <a:endParaRPr lang="en-US"/>
           </a:p>
@@ -1739,7 +1739,7 @@
           <a:p>
             <a:fld id="{553A844F-FF5C-934C-B225-48B8FD889570}" type="datetimeFigureOut">
               <a:rPr lang="en-US" smtClean="0"/>
-              <a:t>10/28/2017</a:t>
+              <a:t>11/6/2017</a:t>
             </a:fld>
             <a:endParaRPr lang="en-US"/>
           </a:p>
@@ -1834,7 +1834,7 @@
           <a:p>
             <a:fld id="{553A844F-FF5C-934C-B225-48B8FD889570}" type="datetimeFigureOut">
               <a:rPr lang="en-US" smtClean="0"/>
-              <a:t>10/28/2017</a:t>
+              <a:t>11/6/2017</a:t>
             </a:fld>
             <a:endParaRPr lang="en-US"/>
           </a:p>
@@ -2111,7 +2111,7 @@
           <a:p>
             <a:fld id="{553A844F-FF5C-934C-B225-48B8FD889570}" type="datetimeFigureOut">
               <a:rPr lang="en-US" smtClean="0"/>
-              <a:t>10/28/2017</a:t>
+              <a:t>11/6/2017</a:t>
             </a:fld>
             <a:endParaRPr lang="en-US"/>
           </a:p>
@@ -2364,7 +2364,7 @@
           <a:p>
             <a:fld id="{553A844F-FF5C-934C-B225-48B8FD889570}" type="datetimeFigureOut">
               <a:rPr lang="en-US" smtClean="0"/>
-              <a:t>10/28/2017</a:t>
+              <a:t>11/6/2017</a:t>
             </a:fld>
             <a:endParaRPr lang="en-US"/>
           </a:p>
@@ -2577,7 +2577,7 @@
           <a:p>
             <a:fld id="{553A844F-FF5C-934C-B225-48B8FD889570}" type="datetimeFigureOut">
               <a:rPr lang="en-US" smtClean="0"/>
-              <a:t>10/28/2017</a:t>
+              <a:t>11/6/2017</a:t>
             </a:fld>
             <a:endParaRPr lang="en-US"/>
           </a:p>
@@ -4199,13 +4199,8 @@
           <a:p>
             <a:r>
               <a:rPr lang="en-US" dirty="0" smtClean="0"/>
-              <a:t>Title: Average FAR and FRR for all Activities for all users using AE features from non-filtered data with One-class </a:t>
-            </a:r>
-            <a:r>
-              <a:rPr lang="en-US" dirty="0" smtClean="0"/>
-              <a:t>SVMs (3 types of AE)</a:t>
-            </a:r>
-            <a:endParaRPr lang="en-US" dirty="0" smtClean="0"/>
+              <a:t>Title: Average FAR and FRR for all Activities for all users using AE features from non-filtered data with One-class SVMs (3 types of AE)</a:t>
+            </a:r>
           </a:p>
         </p:txBody>
       </p:sp>
@@ -4298,7 +4293,7 @@
           <p:nvPr>
             <p:extLst>
               <p:ext uri="{D42A27DB-BD31-4B8C-83A1-F6EECF244321}">
-                <p14:modId xmlns:p14="http://schemas.microsoft.com/office/powerpoint/2010/main" val="2841769494"/>
+                <p14:modId xmlns:p14="http://schemas.microsoft.com/office/powerpoint/2010/main" val="3730308933"/>
               </p:ext>
             </p:extLst>
           </p:nvPr>
@@ -4507,93 +4502,93 @@
                     <a:p>
                       <a:r>
                         <a:rPr lang="en-US" dirty="0" smtClean="0"/>
-                        <a:t>FRR: 0.08584</a:t>
-                      </a:r>
-                    </a:p>
-                    <a:p>
-                      <a:r>
-                        <a:rPr lang="en-US" dirty="0" smtClean="0"/>
-                        <a:t>FAR: 0.77861</a:t>
-                      </a:r>
-                      <a:endParaRPr lang="en-US" dirty="0"/>
-                    </a:p>
-                  </a:txBody>
-                  <a:tcPr/>
-                </a:tc>
-                <a:tc>
-                  <a:txBody>
-                    <a:bodyPr/>
-                    <a:lstStyle/>
-                    <a:p>
-                      <a:r>
-                        <a:rPr lang="en-US" dirty="0" smtClean="0"/>
-                        <a:t>FRR: 0.11111</a:t>
-                      </a:r>
-                    </a:p>
-                    <a:p>
-                      <a:r>
-                        <a:rPr lang="en-US" dirty="0" smtClean="0"/>
-                        <a:t>FAR: 0.89040</a:t>
-                      </a:r>
-                      <a:endParaRPr lang="en-US" dirty="0"/>
-                    </a:p>
-                  </a:txBody>
-                  <a:tcPr/>
-                </a:tc>
-                <a:tc>
-                  <a:txBody>
-                    <a:bodyPr/>
-                    <a:lstStyle/>
-                    <a:p>
-                      <a:r>
-                        <a:rPr lang="en-US" dirty="0" smtClean="0"/>
-                        <a:t>FRR: 0.12500</a:t>
-                      </a:r>
-                    </a:p>
-                    <a:p>
-                      <a:r>
-                        <a:rPr lang="en-US" dirty="0" smtClean="0"/>
-                        <a:t>FAR: 0.69840</a:t>
-                      </a:r>
-                      <a:endParaRPr lang="en-US" dirty="0"/>
-                    </a:p>
-                  </a:txBody>
-                  <a:tcPr/>
-                </a:tc>
-                <a:tc>
-                  <a:txBody>
-                    <a:bodyPr/>
-                    <a:lstStyle/>
-                    <a:p>
-                      <a:r>
-                        <a:rPr lang="en-US" dirty="0" smtClean="0"/>
-                        <a:t>FRR: 0.12644</a:t>
-                      </a:r>
-                    </a:p>
-                    <a:p>
-                      <a:r>
-                        <a:rPr lang="en-US" dirty="0" smtClean="0"/>
-                        <a:t>FAR: 0.81607</a:t>
-                      </a:r>
-                      <a:endParaRPr lang="en-US" dirty="0"/>
-                    </a:p>
-                  </a:txBody>
-                  <a:tcPr/>
-                </a:tc>
-                <a:tc>
-                  <a:txBody>
-                    <a:bodyPr/>
-                    <a:lstStyle/>
-                    <a:p>
-                      <a:r>
-                        <a:rPr lang="en-US" dirty="0" smtClean="0"/>
-                        <a:t>FRR: 0.12073</a:t>
-                      </a:r>
-                    </a:p>
-                    <a:p>
-                      <a:r>
-                        <a:rPr lang="en-US" dirty="0" smtClean="0"/>
-                        <a:t>FAR: 0.83411</a:t>
+                        <a:t>FRR: 0.15451</a:t>
+                      </a:r>
+                    </a:p>
+                    <a:p>
+                      <a:r>
+                        <a:rPr lang="en-US" dirty="0" smtClean="0"/>
+                        <a:t>FAR: 0.75922</a:t>
+                      </a:r>
+                      <a:endParaRPr lang="en-US" dirty="0"/>
+                    </a:p>
+                  </a:txBody>
+                  <a:tcPr/>
+                </a:tc>
+                <a:tc>
+                  <a:txBody>
+                    <a:bodyPr/>
+                    <a:lstStyle/>
+                    <a:p>
+                      <a:r>
+                        <a:rPr lang="en-US" dirty="0" smtClean="0"/>
+                        <a:t>FRR: 0.19753</a:t>
+                      </a:r>
+                    </a:p>
+                    <a:p>
+                      <a:r>
+                        <a:rPr lang="en-US" dirty="0" smtClean="0"/>
+                        <a:t>FAR: 0.68852</a:t>
+                      </a:r>
+                      <a:endParaRPr lang="en-US" dirty="0"/>
+                    </a:p>
+                  </a:txBody>
+                  <a:tcPr/>
+                </a:tc>
+                <a:tc>
+                  <a:txBody>
+                    <a:bodyPr/>
+                    <a:lstStyle/>
+                    <a:p>
+                      <a:r>
+                        <a:rPr lang="en-US" dirty="0" smtClean="0"/>
+                        <a:t>FRR: 0.10938</a:t>
+                      </a:r>
+                    </a:p>
+                    <a:p>
+                      <a:r>
+                        <a:rPr lang="en-US" dirty="0" smtClean="0"/>
+                        <a:t>FAR: 0.82988</a:t>
+                      </a:r>
+                      <a:endParaRPr lang="en-US" dirty="0"/>
+                    </a:p>
+                  </a:txBody>
+                  <a:tcPr/>
+                </a:tc>
+                <a:tc>
+                  <a:txBody>
+                    <a:bodyPr/>
+                    <a:lstStyle/>
+                    <a:p>
+                      <a:r>
+                        <a:rPr lang="en-US" dirty="0" smtClean="0"/>
+                        <a:t>FRR: 0.13793</a:t>
+                      </a:r>
+                    </a:p>
+                    <a:p>
+                      <a:r>
+                        <a:rPr lang="en-US" dirty="0" smtClean="0"/>
+                        <a:t>FAR: 0.41071</a:t>
+                      </a:r>
+                      <a:endParaRPr lang="en-US" dirty="0"/>
+                    </a:p>
+                  </a:txBody>
+                  <a:tcPr/>
+                </a:tc>
+                <a:tc>
+                  <a:txBody>
+                    <a:bodyPr/>
+                    <a:lstStyle/>
+                    <a:p>
+                      <a:r>
+                        <a:rPr lang="en-US" dirty="0" smtClean="0"/>
+                        <a:t>FRR: 0.10000</a:t>
+                      </a:r>
+                    </a:p>
+                    <a:p>
+                      <a:r>
+                        <a:rPr lang="en-US" dirty="0" smtClean="0"/>
+                        <a:t>FAR: 0.65663</a:t>
                       </a:r>
                       <a:endParaRPr lang="en-US" dirty="0"/>
                     </a:p>
@@ -4632,93 +4627,93 @@
                     <a:p>
                       <a:r>
                         <a:rPr lang="en-US" dirty="0" smtClean="0"/>
-                        <a:t>FRR: 0.12393</a:t>
-                      </a:r>
-                    </a:p>
-                    <a:p>
-                      <a:r>
-                        <a:rPr lang="en-US" dirty="0" smtClean="0"/>
-                        <a:t>FAR: 0.74647</a:t>
-                      </a:r>
-                      <a:endParaRPr lang="en-US" dirty="0"/>
-                    </a:p>
-                  </a:txBody>
-                  <a:tcPr/>
-                </a:tc>
-                <a:tc>
-                  <a:txBody>
-                    <a:bodyPr/>
-                    <a:lstStyle/>
-                    <a:p>
-                      <a:r>
-                        <a:rPr lang="en-US" dirty="0" smtClean="0"/>
-                        <a:t>FRR: 0.15493</a:t>
-                      </a:r>
-                    </a:p>
-                    <a:p>
-                      <a:r>
-                        <a:rPr lang="en-US" dirty="0" smtClean="0"/>
-                        <a:t>FAR: 0.77175</a:t>
-                      </a:r>
-                      <a:endParaRPr lang="en-US" dirty="0"/>
-                    </a:p>
-                  </a:txBody>
-                  <a:tcPr/>
-                </a:tc>
-                <a:tc>
-                  <a:txBody>
-                    <a:bodyPr/>
-                    <a:lstStyle/>
-                    <a:p>
-                      <a:r>
-                        <a:rPr lang="en-US" dirty="0" smtClean="0"/>
-                        <a:t>FRR: 0.06122</a:t>
-                      </a:r>
-                    </a:p>
-                    <a:p>
-                      <a:r>
-                        <a:rPr lang="en-US" dirty="0" smtClean="0"/>
-                        <a:t>FAR: 0.74808</a:t>
-                      </a:r>
-                      <a:endParaRPr lang="en-US" dirty="0"/>
-                    </a:p>
-                  </a:txBody>
-                  <a:tcPr/>
-                </a:tc>
-                <a:tc>
-                  <a:txBody>
-                    <a:bodyPr/>
-                    <a:lstStyle/>
-                    <a:p>
-                      <a:r>
-                        <a:rPr lang="en-US" dirty="0" smtClean="0"/>
-                        <a:t>FRR: 0.03061</a:t>
-                      </a:r>
-                    </a:p>
-                    <a:p>
-                      <a:r>
-                        <a:rPr lang="en-US" dirty="0" smtClean="0"/>
-                        <a:t>FAR: 0.80961</a:t>
-                      </a:r>
-                      <a:endParaRPr lang="en-US" dirty="0"/>
-                    </a:p>
-                  </a:txBody>
-                  <a:tcPr/>
-                </a:tc>
-                <a:tc>
-                  <a:txBody>
-                    <a:bodyPr/>
-                    <a:lstStyle/>
-                    <a:p>
-                      <a:r>
-                        <a:rPr lang="en-US" dirty="0" smtClean="0"/>
-                        <a:t>FRR: 0.12442</a:t>
-                      </a:r>
-                    </a:p>
-                    <a:p>
-                      <a:r>
-                        <a:rPr lang="en-US" dirty="0" smtClean="0"/>
-                        <a:t>FAR: 0.88365</a:t>
+                        <a:t>FRR: 0.11538</a:t>
+                      </a:r>
+                    </a:p>
+                    <a:p>
+                      <a:r>
+                        <a:rPr lang="en-US" dirty="0" smtClean="0"/>
+                        <a:t>FAR: 0.67075</a:t>
+                      </a:r>
+                      <a:endParaRPr lang="en-US" dirty="0"/>
+                    </a:p>
+                  </a:txBody>
+                  <a:tcPr/>
+                </a:tc>
+                <a:tc>
+                  <a:txBody>
+                    <a:bodyPr/>
+                    <a:lstStyle/>
+                    <a:p>
+                      <a:r>
+                        <a:rPr lang="en-US" dirty="0" smtClean="0"/>
+                        <a:t>FRR: 0.11268</a:t>
+                      </a:r>
+                    </a:p>
+                    <a:p>
+                      <a:r>
+                        <a:rPr lang="en-US" dirty="0" smtClean="0"/>
+                        <a:t>FAR: 0.74872</a:t>
+                      </a:r>
+                      <a:endParaRPr lang="en-US" dirty="0" smtClean="0"/>
+                    </a:p>
+                  </a:txBody>
+                  <a:tcPr/>
+                </a:tc>
+                <a:tc>
+                  <a:txBody>
+                    <a:bodyPr/>
+                    <a:lstStyle/>
+                    <a:p>
+                      <a:r>
+                        <a:rPr lang="en-US" dirty="0" smtClean="0"/>
+                        <a:t>FRR: 0.15306</a:t>
+                      </a:r>
+                    </a:p>
+                    <a:p>
+                      <a:r>
+                        <a:rPr lang="en-US" dirty="0" smtClean="0"/>
+                        <a:t>FAR: 0.34101</a:t>
+                      </a:r>
+                      <a:endParaRPr lang="en-US" dirty="0"/>
+                    </a:p>
+                  </a:txBody>
+                  <a:tcPr/>
+                </a:tc>
+                <a:tc>
+                  <a:txBody>
+                    <a:bodyPr/>
+                    <a:lstStyle/>
+                    <a:p>
+                      <a:r>
+                        <a:rPr lang="en-US" dirty="0" smtClean="0"/>
+                        <a:t>FRR: 0.07143</a:t>
+                      </a:r>
+                    </a:p>
+                    <a:p>
+                      <a:r>
+                        <a:rPr lang="en-US" dirty="0" smtClean="0"/>
+                        <a:t>FAR: 0.65904</a:t>
+                      </a:r>
+                      <a:endParaRPr lang="en-US" dirty="0"/>
+                    </a:p>
+                  </a:txBody>
+                  <a:tcPr/>
+                </a:tc>
+                <a:tc>
+                  <a:txBody>
+                    <a:bodyPr/>
+                    <a:lstStyle/>
+                    <a:p>
+                      <a:r>
+                        <a:rPr lang="en-US" dirty="0" smtClean="0"/>
+                        <a:t>FRR: 0.09244</a:t>
+                      </a:r>
+                    </a:p>
+                    <a:p>
+                      <a:r>
+                        <a:rPr lang="en-US" dirty="0" smtClean="0"/>
+                        <a:t>FAR: 0.61050</a:t>
                       </a:r>
                       <a:endParaRPr lang="en-US" dirty="0"/>
                     </a:p>
@@ -4757,93 +4752,93 @@
                     <a:p>
                       <a:r>
                         <a:rPr lang="en-US" dirty="0" smtClean="0"/>
-                        <a:t>FRR: 0.11523</a:t>
-                      </a:r>
-                    </a:p>
-                    <a:p>
-                      <a:r>
-                        <a:rPr lang="en-US" dirty="0" smtClean="0"/>
-                        <a:t>FAR: 0.86810</a:t>
-                      </a:r>
-                      <a:endParaRPr lang="en-US" dirty="0"/>
-                    </a:p>
-                  </a:txBody>
-                  <a:tcPr/>
-                </a:tc>
-                <a:tc>
-                  <a:txBody>
-                    <a:bodyPr/>
-                    <a:lstStyle/>
-                    <a:p>
-                      <a:r>
-                        <a:rPr lang="en-US" dirty="0" smtClean="0"/>
-                        <a:t>FRR: 0.13253</a:t>
-                      </a:r>
-                    </a:p>
-                    <a:p>
-                      <a:r>
-                        <a:rPr lang="en-US" dirty="0" smtClean="0"/>
-                        <a:t>FAR: 0.83808</a:t>
-                      </a:r>
-                      <a:endParaRPr lang="en-US" dirty="0"/>
-                    </a:p>
-                  </a:txBody>
-                  <a:tcPr/>
-                </a:tc>
-                <a:tc>
-                  <a:txBody>
-                    <a:bodyPr/>
-                    <a:lstStyle/>
-                    <a:p>
-                      <a:r>
-                        <a:rPr lang="en-US" dirty="0" smtClean="0"/>
-                        <a:t>FRR: 0.11688</a:t>
-                      </a:r>
-                    </a:p>
-                    <a:p>
-                      <a:r>
-                        <a:rPr lang="en-US" dirty="0" smtClean="0"/>
-                        <a:t>FAR: 0.82759</a:t>
-                      </a:r>
-                      <a:endParaRPr lang="en-US" dirty="0"/>
-                    </a:p>
-                  </a:txBody>
-                  <a:tcPr/>
-                </a:tc>
-                <a:tc>
-                  <a:txBody>
-                    <a:bodyPr/>
-                    <a:lstStyle/>
-                    <a:p>
-                      <a:r>
-                        <a:rPr lang="en-US" dirty="0" smtClean="0"/>
-                        <a:t>FRR: 0.18605</a:t>
-                      </a:r>
-                    </a:p>
-                    <a:p>
-                      <a:r>
-                        <a:rPr lang="en-US" dirty="0" smtClean="0"/>
-                        <a:t>FAR: 0.73998</a:t>
-                      </a:r>
-                      <a:endParaRPr lang="en-US" dirty="0"/>
-                    </a:p>
-                  </a:txBody>
-                  <a:tcPr/>
-                </a:tc>
-                <a:tc>
-                  <a:txBody>
-                    <a:bodyPr/>
-                    <a:lstStyle/>
-                    <a:p>
-                      <a:r>
-                        <a:rPr lang="en-US" dirty="0" smtClean="0"/>
-                        <a:t>FRR: 0.09726</a:t>
-                      </a:r>
-                    </a:p>
-                    <a:p>
-                      <a:r>
-                        <a:rPr lang="en-US" dirty="0" smtClean="0"/>
-                        <a:t>FAR: 0.80323</a:t>
+                        <a:t>FRR: 0.08230</a:t>
+                      </a:r>
+                    </a:p>
+                    <a:p>
+                      <a:r>
+                        <a:rPr lang="en-US" dirty="0" smtClean="0"/>
+                        <a:t>FAR: 0.64443</a:t>
+                      </a:r>
+                      <a:endParaRPr lang="en-US" dirty="0"/>
+                    </a:p>
+                  </a:txBody>
+                  <a:tcPr/>
+                </a:tc>
+                <a:tc>
+                  <a:txBody>
+                    <a:bodyPr/>
+                    <a:lstStyle/>
+                    <a:p>
+                      <a:r>
+                        <a:rPr lang="en-US" dirty="0" smtClean="0"/>
+                        <a:t>FRR: 0.06024</a:t>
+                      </a:r>
+                    </a:p>
+                    <a:p>
+                      <a:r>
+                        <a:rPr lang="en-US" dirty="0" smtClean="0"/>
+                        <a:t>FAR: 0.73259</a:t>
+                      </a:r>
+                      <a:endParaRPr lang="en-US" dirty="0"/>
+                    </a:p>
+                  </a:txBody>
+                  <a:tcPr/>
+                </a:tc>
+                <a:tc>
+                  <a:txBody>
+                    <a:bodyPr/>
+                    <a:lstStyle/>
+                    <a:p>
+                      <a:r>
+                        <a:rPr lang="en-US" dirty="0" smtClean="0"/>
+                        <a:t>FRR: 0.10390</a:t>
+                      </a:r>
+                    </a:p>
+                    <a:p>
+                      <a:r>
+                        <a:rPr lang="en-US" dirty="0" smtClean="0"/>
+                        <a:t>FAR: 0.58766</a:t>
+                      </a:r>
+                      <a:endParaRPr lang="en-US" dirty="0"/>
+                    </a:p>
+                  </a:txBody>
+                  <a:tcPr/>
+                </a:tc>
+                <a:tc>
+                  <a:txBody>
+                    <a:bodyPr/>
+                    <a:lstStyle/>
+                    <a:p>
+                      <a:r>
+                        <a:rPr lang="en-US" dirty="0" smtClean="0"/>
+                        <a:t>FRR: 0.13953</a:t>
+                      </a:r>
+                    </a:p>
+                    <a:p>
+                      <a:r>
+                        <a:rPr lang="en-US" dirty="0" smtClean="0"/>
+                        <a:t>FAR: 0.49777</a:t>
+                      </a:r>
+                      <a:endParaRPr lang="en-US" dirty="0"/>
+                    </a:p>
+                  </a:txBody>
+                  <a:tcPr/>
+                </a:tc>
+                <a:tc>
+                  <a:txBody>
+                    <a:bodyPr/>
+                    <a:lstStyle/>
+                    <a:p>
+                      <a:r>
+                        <a:rPr lang="en-US" dirty="0" smtClean="0"/>
+                        <a:t>FRR: 0.12552</a:t>
+                      </a:r>
+                    </a:p>
+                    <a:p>
+                      <a:r>
+                        <a:rPr lang="en-US" dirty="0" smtClean="0"/>
+                        <a:t>FAR: 0.51671</a:t>
                       </a:r>
                       <a:endParaRPr lang="en-US" dirty="0"/>
                     </a:p>
@@ -4882,33 +4877,33 @@
                     <a:p>
                       <a:r>
                         <a:rPr lang="en-US" dirty="0" smtClean="0"/>
-                        <a:t>FRR: 0.07792</a:t>
-                      </a:r>
-                    </a:p>
-                    <a:p>
-                      <a:r>
-                        <a:rPr lang="en-US" dirty="0" smtClean="0"/>
-                        <a:t>FAR: 0.74864</a:t>
-                      </a:r>
-                      <a:endParaRPr lang="en-US" dirty="0"/>
-                    </a:p>
-                  </a:txBody>
-                  <a:tcPr/>
-                </a:tc>
-                <a:tc>
-                  <a:txBody>
-                    <a:bodyPr/>
-                    <a:lstStyle/>
-                    <a:p>
-                      <a:r>
-                        <a:rPr lang="en-US" dirty="0" smtClean="0"/>
-                        <a:t>FRR: 0.11594</a:t>
-                      </a:r>
-                    </a:p>
-                    <a:p>
-                      <a:r>
-                        <a:rPr lang="en-US" dirty="0" smtClean="0"/>
-                        <a:t>FAR: 0.71160</a:t>
+                        <a:t>FRR: 0.08225</a:t>
+                      </a:r>
+                    </a:p>
+                    <a:p>
+                      <a:r>
+                        <a:rPr lang="en-US" dirty="0" smtClean="0"/>
+                        <a:t>FAR: 0.67532</a:t>
+                      </a:r>
+                      <a:endParaRPr lang="en-US" dirty="0"/>
+                    </a:p>
+                  </a:txBody>
+                  <a:tcPr/>
+                </a:tc>
+                <a:tc>
+                  <a:txBody>
+                    <a:bodyPr/>
+                    <a:lstStyle/>
+                    <a:p>
+                      <a:r>
+                        <a:rPr lang="en-US" dirty="0" smtClean="0"/>
+                        <a:t>FRR: 0.24638</a:t>
+                      </a:r>
+                    </a:p>
+                    <a:p>
+                      <a:r>
+                        <a:rPr lang="en-US" dirty="0" smtClean="0"/>
+                        <a:t>FAR: 0.51933</a:t>
                       </a:r>
                       <a:endParaRPr lang="en-US" dirty="0"/>
                     </a:p>
@@ -4928,47 +4923,47 @@
                     <a:p>
                       <a:r>
                         <a:rPr lang="en-US" dirty="0" smtClean="0"/>
-                        <a:t>FAR: 0.80139</a:t>
-                      </a:r>
-                      <a:endParaRPr lang="en-US" dirty="0"/>
-                    </a:p>
-                  </a:txBody>
-                  <a:tcPr/>
-                </a:tc>
-                <a:tc>
-                  <a:txBody>
-                    <a:bodyPr/>
-                    <a:lstStyle/>
-                    <a:p>
-                      <a:r>
-                        <a:rPr lang="en-US" dirty="0" smtClean="0"/>
-                        <a:t>FRR: 0.12360</a:t>
-                      </a:r>
-                    </a:p>
-                    <a:p>
-                      <a:r>
-                        <a:rPr lang="en-US" dirty="0" smtClean="0"/>
-                        <a:t>FAR: 0.47354</a:t>
-                      </a:r>
-                      <a:endParaRPr lang="en-US" dirty="0"/>
-                    </a:p>
-                  </a:txBody>
-                  <a:tcPr/>
-                </a:tc>
-                <a:tc>
-                  <a:txBody>
-                    <a:bodyPr/>
-                    <a:lstStyle/>
-                    <a:p>
-                      <a:r>
-                        <a:rPr lang="en-US" dirty="0" smtClean="0"/>
-                        <a:t>FRR: 0.08049</a:t>
-                      </a:r>
-                    </a:p>
-                    <a:p>
-                      <a:r>
-                        <a:rPr lang="en-US" dirty="0" smtClean="0"/>
-                        <a:t>FAR: 0.82788</a:t>
+                        <a:t>FAR: 0.78207</a:t>
+                      </a:r>
+                      <a:endParaRPr lang="en-US" dirty="0"/>
+                    </a:p>
+                  </a:txBody>
+                  <a:tcPr/>
+                </a:tc>
+                <a:tc>
+                  <a:txBody>
+                    <a:bodyPr/>
+                    <a:lstStyle/>
+                    <a:p>
+                      <a:r>
+                        <a:rPr lang="en-US" dirty="0" smtClean="0"/>
+                        <a:t>FRR: 0.14607</a:t>
+                      </a:r>
+                    </a:p>
+                    <a:p>
+                      <a:r>
+                        <a:rPr lang="en-US" dirty="0" smtClean="0"/>
+                        <a:t>FAR: 0.67623</a:t>
+                      </a:r>
+                      <a:endParaRPr lang="en-US" dirty="0"/>
+                    </a:p>
+                  </a:txBody>
+                  <a:tcPr/>
+                </a:tc>
+                <a:tc>
+                  <a:txBody>
+                    <a:bodyPr/>
+                    <a:lstStyle/>
+                    <a:p>
+                      <a:r>
+                        <a:rPr lang="en-US" dirty="0" smtClean="0"/>
+                        <a:t>FRR: 0.11017</a:t>
+                      </a:r>
+                    </a:p>
+                    <a:p>
+                      <a:r>
+                        <a:rPr lang="en-US" dirty="0" smtClean="0"/>
+                        <a:t>FAR: 0.38636</a:t>
                       </a:r>
                       <a:endParaRPr lang="en-US" dirty="0"/>
                     </a:p>
@@ -5013,87 +5008,87 @@
                     <a:p>
                       <a:r>
                         <a:rPr lang="en-US" dirty="0" smtClean="0"/>
-                        <a:t>FAR: 0.74116</a:t>
-                      </a:r>
-                      <a:endParaRPr lang="en-US" dirty="0"/>
-                    </a:p>
-                  </a:txBody>
-                  <a:tcPr/>
-                </a:tc>
-                <a:tc>
-                  <a:txBody>
-                    <a:bodyPr/>
-                    <a:lstStyle/>
-                    <a:p>
-                      <a:r>
-                        <a:rPr lang="en-US" dirty="0" smtClean="0"/>
-                        <a:t>FRR: 0.10448</a:t>
-                      </a:r>
-                    </a:p>
-                    <a:p>
-                      <a:r>
-                        <a:rPr lang="en-US" dirty="0" smtClean="0"/>
-                        <a:t>FAR: 0.77491</a:t>
-                      </a:r>
-                      <a:endParaRPr lang="en-US" dirty="0"/>
-                    </a:p>
-                  </a:txBody>
-                  <a:tcPr/>
-                </a:tc>
-                <a:tc>
-                  <a:txBody>
-                    <a:bodyPr/>
-                    <a:lstStyle/>
-                    <a:p>
-                      <a:r>
-                        <a:rPr lang="en-US" smtClean="0"/>
-                        <a:t>FRR: 0.10606</a:t>
-                      </a:r>
-                    </a:p>
-                    <a:p>
-                      <a:r>
-                        <a:rPr lang="en-US" smtClean="0"/>
-                        <a:t>FAR: 0.49976</a:t>
-                      </a:r>
-                      <a:endParaRPr lang="en-US" dirty="0"/>
-                    </a:p>
-                  </a:txBody>
-                  <a:tcPr/>
-                </a:tc>
-                <a:tc>
-                  <a:txBody>
-                    <a:bodyPr/>
-                    <a:lstStyle/>
-                    <a:p>
-                      <a:r>
-                        <a:rPr lang="en-US" dirty="0" smtClean="0"/>
-                        <a:t>FRR: 0.08333</a:t>
-                      </a:r>
-                    </a:p>
-                    <a:p>
-                      <a:r>
-                        <a:rPr lang="en-US" dirty="0" smtClean="0"/>
-                        <a:t>FAR: 0.74007</a:t>
-                      </a:r>
-                      <a:endParaRPr lang="en-US" dirty="0"/>
-                    </a:p>
-                  </a:txBody>
-                  <a:tcPr/>
-                </a:tc>
-                <a:tc>
-                  <a:txBody>
-                    <a:bodyPr/>
-                    <a:lstStyle/>
-                    <a:p>
-                      <a:r>
-                        <a:rPr lang="en-US" dirty="0" smtClean="0"/>
-                        <a:t>FRR: 0.09418</a:t>
-                      </a:r>
-                    </a:p>
-                    <a:p>
-                      <a:r>
-                        <a:rPr lang="en-US" dirty="0" smtClean="0"/>
-                        <a:t>FAR: 0.69868</a:t>
+                        <a:t>FAR: 0.71693</a:t>
+                      </a:r>
+                      <a:endParaRPr lang="en-US" dirty="0" smtClean="0"/>
+                    </a:p>
+                  </a:txBody>
+                  <a:tcPr/>
+                </a:tc>
+                <a:tc>
+                  <a:txBody>
+                    <a:bodyPr/>
+                    <a:lstStyle/>
+                    <a:p>
+                      <a:r>
+                        <a:rPr lang="en-US" dirty="0" smtClean="0"/>
+                        <a:t>FRR: 0.25373</a:t>
+                      </a:r>
+                    </a:p>
+                    <a:p>
+                      <a:r>
+                        <a:rPr lang="en-US" dirty="0" smtClean="0"/>
+                        <a:t>FAR: 0.71421</a:t>
+                      </a:r>
+                      <a:endParaRPr lang="en-US" dirty="0"/>
+                    </a:p>
+                  </a:txBody>
+                  <a:tcPr/>
+                </a:tc>
+                <a:tc>
+                  <a:txBody>
+                    <a:bodyPr/>
+                    <a:lstStyle/>
+                    <a:p>
+                      <a:r>
+                        <a:rPr lang="en-US" dirty="0" smtClean="0"/>
+                        <a:t>FRR: 0.21212</a:t>
+                      </a:r>
+                    </a:p>
+                    <a:p>
+                      <a:r>
+                        <a:rPr lang="en-US" dirty="0" smtClean="0"/>
+                        <a:t>FAR: 0.86181</a:t>
+                      </a:r>
+                      <a:endParaRPr lang="en-US" dirty="0"/>
+                    </a:p>
+                  </a:txBody>
+                  <a:tcPr/>
+                </a:tc>
+                <a:tc>
+                  <a:txBody>
+                    <a:bodyPr/>
+                    <a:lstStyle/>
+                    <a:p>
+                      <a:r>
+                        <a:rPr lang="en-US" dirty="0" smtClean="0"/>
+                        <a:t>FRR: 0.15278</a:t>
+                      </a:r>
+                    </a:p>
+                    <a:p>
+                      <a:r>
+                        <a:rPr lang="en-US" dirty="0" smtClean="0"/>
+                        <a:t>FAR: 0.87349</a:t>
+                      </a:r>
+                      <a:endParaRPr lang="en-US" dirty="0"/>
+                    </a:p>
+                  </a:txBody>
+                  <a:tcPr/>
+                </a:tc>
+                <a:tc>
+                  <a:txBody>
+                    <a:bodyPr/>
+                    <a:lstStyle/>
+                    <a:p>
+                      <a:r>
+                        <a:rPr lang="en-US" dirty="0" smtClean="0"/>
+                        <a:t>FRR: 0.11659</a:t>
+                      </a:r>
+                    </a:p>
+                    <a:p>
+                      <a:r>
+                        <a:rPr lang="en-US" dirty="0" smtClean="0"/>
+                        <a:t>FAR: 0.43396</a:t>
                       </a:r>
                       <a:endParaRPr lang="en-US" dirty="0"/>
                     </a:p>
@@ -5146,93 +5141,93 @@
                     <a:p>
                       <a:r>
                         <a:rPr lang="en-US" dirty="0" smtClean="0"/>
-                        <a:t>FRR: 0.11245</a:t>
-                      </a:r>
-                    </a:p>
-                    <a:p>
-                      <a:r>
-                        <a:rPr lang="en-US" dirty="0" smtClean="0"/>
-                        <a:t>FAR: 0.79631</a:t>
-                      </a:r>
-                      <a:endParaRPr lang="en-US" dirty="0"/>
-                    </a:p>
-                  </a:txBody>
-                  <a:tcPr/>
-                </a:tc>
-                <a:tc>
-                  <a:txBody>
-                    <a:bodyPr/>
-                    <a:lstStyle/>
-                    <a:p>
-                      <a:r>
-                        <a:rPr lang="en-US" dirty="0" smtClean="0"/>
-                        <a:t>FRR: 0.08511</a:t>
-                      </a:r>
-                    </a:p>
-                    <a:p>
-                      <a:r>
-                        <a:rPr lang="en-US" dirty="0" smtClean="0"/>
-                        <a:t>FAR: 0.91413</a:t>
-                      </a:r>
-                      <a:endParaRPr lang="en-US" dirty="0"/>
-                    </a:p>
-                  </a:txBody>
-                  <a:tcPr/>
-                </a:tc>
-                <a:tc>
-                  <a:txBody>
-                    <a:bodyPr/>
-                    <a:lstStyle/>
-                    <a:p>
-                      <a:r>
-                        <a:rPr lang="en-US" dirty="0" smtClean="0"/>
-                        <a:t>FRR: 0.09901</a:t>
-                      </a:r>
-                    </a:p>
-                    <a:p>
-                      <a:r>
-                        <a:rPr lang="en-US" dirty="0" smtClean="0"/>
-                        <a:t>FAR: 0.81073</a:t>
-                      </a:r>
-                      <a:endParaRPr lang="en-US" dirty="0"/>
-                    </a:p>
-                  </a:txBody>
-                  <a:tcPr/>
-                </a:tc>
-                <a:tc>
-                  <a:txBody>
-                    <a:bodyPr/>
-                    <a:lstStyle/>
-                    <a:p>
-                      <a:r>
-                        <a:rPr lang="en-US" dirty="0" smtClean="0"/>
-                        <a:t>FRR: 0.10476</a:t>
-                      </a:r>
-                    </a:p>
-                    <a:p>
-                      <a:r>
-                        <a:rPr lang="en-US" dirty="0" smtClean="0"/>
-                        <a:t>FAR: 0.92661</a:t>
-                      </a:r>
-                      <a:endParaRPr lang="en-US" dirty="0"/>
-                    </a:p>
-                  </a:txBody>
-                  <a:tcPr/>
-                </a:tc>
-                <a:tc>
-                  <a:txBody>
-                    <a:bodyPr/>
-                    <a:lstStyle/>
-                    <a:p>
-                      <a:r>
-                        <a:rPr lang="en-US" dirty="0" smtClean="0"/>
-                        <a:t>FRR: 0.07743</a:t>
-                      </a:r>
-                    </a:p>
-                    <a:p>
-                      <a:r>
-                        <a:rPr lang="en-US" dirty="0" smtClean="0"/>
-                        <a:t>FAR: 0.89594</a:t>
+                        <a:t>FRR: 0.15663</a:t>
+                      </a:r>
+                    </a:p>
+                    <a:p>
+                      <a:r>
+                        <a:rPr lang="en-US" dirty="0" smtClean="0"/>
+                        <a:t>FAR: 0.69740</a:t>
+                      </a:r>
+                      <a:endParaRPr lang="en-US" dirty="0"/>
+                    </a:p>
+                  </a:txBody>
+                  <a:tcPr/>
+                </a:tc>
+                <a:tc>
+                  <a:txBody>
+                    <a:bodyPr/>
+                    <a:lstStyle/>
+                    <a:p>
+                      <a:r>
+                        <a:rPr lang="en-US" dirty="0" smtClean="0"/>
+                        <a:t>FRR: 0.13830</a:t>
+                      </a:r>
+                    </a:p>
+                    <a:p>
+                      <a:r>
+                        <a:rPr lang="en-US" dirty="0" smtClean="0"/>
+                        <a:t>FAR: 0.60978</a:t>
+                      </a:r>
+                      <a:endParaRPr lang="en-US" dirty="0"/>
+                    </a:p>
+                  </a:txBody>
+                  <a:tcPr/>
+                </a:tc>
+                <a:tc>
+                  <a:txBody>
+                    <a:bodyPr/>
+                    <a:lstStyle/>
+                    <a:p>
+                      <a:r>
+                        <a:rPr lang="en-US" dirty="0" smtClean="0"/>
+                        <a:t>FRR: 0.12871</a:t>
+                      </a:r>
+                    </a:p>
+                    <a:p>
+                      <a:r>
+                        <a:rPr lang="en-US" dirty="0" smtClean="0"/>
+                        <a:t>FAR: 0.34863</a:t>
+                      </a:r>
+                      <a:endParaRPr lang="en-US" dirty="0"/>
+                    </a:p>
+                  </a:txBody>
+                  <a:tcPr/>
+                </a:tc>
+                <a:tc>
+                  <a:txBody>
+                    <a:bodyPr/>
+                    <a:lstStyle/>
+                    <a:p>
+                      <a:r>
+                        <a:rPr lang="en-US" dirty="0" smtClean="0"/>
+                        <a:t>FRR: 0.12381</a:t>
+                      </a:r>
+                    </a:p>
+                    <a:p>
+                      <a:r>
+                        <a:rPr lang="en-US" dirty="0" smtClean="0"/>
+                        <a:t>FAR: 0.63957</a:t>
+                      </a:r>
+                      <a:endParaRPr lang="en-US" dirty="0"/>
+                    </a:p>
+                  </a:txBody>
+                  <a:tcPr/>
+                </a:tc>
+                <a:tc>
+                  <a:txBody>
+                    <a:bodyPr/>
+                    <a:lstStyle/>
+                    <a:p>
+                      <a:r>
+                        <a:rPr lang="en-US" dirty="0" smtClean="0"/>
+                        <a:t>FRR: 0.11336</a:t>
+                      </a:r>
+                    </a:p>
+                    <a:p>
+                      <a:r>
+                        <a:rPr lang="en-US" dirty="0" smtClean="0"/>
+                        <a:t>FAR: 0.33665</a:t>
                       </a:r>
                       <a:endParaRPr lang="en-US" dirty="0"/>
                     </a:p>
@@ -5252,7 +5247,7 @@
                     <a:lstStyle/>
                     <a:p>
                       <a:r>
-                        <a:rPr lang="en-US" dirty="0" smtClean="0">
+                        <a:rPr lang="en-US" smtClean="0">
                           <a:solidFill>
                             <a:srgbClr val="FF0000"/>
                           </a:solidFill>
@@ -5277,93 +5272,93 @@
                     <a:p>
                       <a:r>
                         <a:rPr lang="en-US" dirty="0" smtClean="0"/>
-                        <a:t>FRR: 0.10098</a:t>
-                      </a:r>
-                    </a:p>
-                    <a:p>
-                      <a:r>
-                        <a:rPr lang="en-US" dirty="0" smtClean="0"/>
-                        <a:t>FAR: 0.77988</a:t>
-                      </a:r>
-                      <a:endParaRPr lang="en-US" dirty="0"/>
-                    </a:p>
-                  </a:txBody>
-                  <a:tcPr/>
-                </a:tc>
-                <a:tc>
-                  <a:txBody>
-                    <a:bodyPr/>
-                    <a:lstStyle/>
-                    <a:p>
-                      <a:r>
-                        <a:rPr lang="en-US" dirty="0" smtClean="0"/>
-                        <a:t>FRR: 0.11735</a:t>
-                      </a:r>
-                    </a:p>
-                    <a:p>
-                      <a:r>
-                        <a:rPr lang="en-US" dirty="0" smtClean="0"/>
-                        <a:t>FAR: 0.81681</a:t>
-                      </a:r>
-                      <a:endParaRPr lang="en-US" dirty="0"/>
-                    </a:p>
-                  </a:txBody>
-                  <a:tcPr/>
-                </a:tc>
-                <a:tc>
-                  <a:txBody>
-                    <a:bodyPr/>
-                    <a:lstStyle/>
-                    <a:p>
-                      <a:r>
-                        <a:rPr lang="en-US" dirty="0" smtClean="0"/>
-                        <a:t>FRR: 0.10038</a:t>
-                      </a:r>
-                    </a:p>
-                    <a:p>
-                      <a:r>
-                        <a:rPr lang="en-US" dirty="0" smtClean="0"/>
-                        <a:t>FAR: 0.73099</a:t>
-                      </a:r>
-                      <a:endParaRPr lang="en-US" dirty="0"/>
-                    </a:p>
-                  </a:txBody>
-                  <a:tcPr/>
-                </a:tc>
-                <a:tc>
-                  <a:txBody>
-                    <a:bodyPr/>
-                    <a:lstStyle/>
-                    <a:p>
-                      <a:r>
-                        <a:rPr lang="en-US" dirty="0" smtClean="0"/>
-                        <a:t>FRR: 0.10913</a:t>
-                      </a:r>
-                    </a:p>
-                    <a:p>
-                      <a:r>
-                        <a:rPr lang="en-US" dirty="0" smtClean="0"/>
-                        <a:t>FAR: 0.75098</a:t>
-                      </a:r>
-                      <a:endParaRPr lang="en-US" dirty="0"/>
-                    </a:p>
-                  </a:txBody>
-                  <a:tcPr/>
-                </a:tc>
-                <a:tc>
-                  <a:txBody>
-                    <a:bodyPr/>
-                    <a:lstStyle/>
-                    <a:p>
-                      <a:r>
-                        <a:rPr lang="en-US" dirty="0" smtClean="0"/>
-                        <a:t>FRR: 0.09909</a:t>
-                      </a:r>
-                    </a:p>
-                    <a:p>
-                      <a:r>
-                        <a:rPr lang="en-US" smtClean="0"/>
-                        <a:t>FAR: 0.82392</a:t>
+                        <a:t>FRR: 0.11360</a:t>
+                      </a:r>
+                    </a:p>
+                    <a:p>
+                      <a:r>
+                        <a:rPr lang="en-US" dirty="0" smtClean="0"/>
+                        <a:t>FAR: 0.69401</a:t>
+                      </a:r>
+                      <a:endParaRPr lang="en-US" dirty="0"/>
+                    </a:p>
+                  </a:txBody>
+                  <a:tcPr/>
+                </a:tc>
+                <a:tc>
+                  <a:txBody>
+                    <a:bodyPr/>
+                    <a:lstStyle/>
+                    <a:p>
+                      <a:r>
+                        <a:rPr lang="en-US" dirty="0" smtClean="0"/>
+                        <a:t>FRR: 0.16814</a:t>
+                      </a:r>
+                    </a:p>
+                    <a:p>
+                      <a:r>
+                        <a:rPr lang="en-US" dirty="0" smtClean="0"/>
+                        <a:t>FAR: 0.66886</a:t>
+                      </a:r>
+                      <a:endParaRPr lang="en-US" dirty="0"/>
+                    </a:p>
+                  </a:txBody>
+                  <a:tcPr/>
+                </a:tc>
+                <a:tc>
+                  <a:txBody>
+                    <a:bodyPr/>
+                    <a:lstStyle/>
+                    <a:p>
+                      <a:r>
+                        <a:rPr lang="en-US" dirty="0" smtClean="0"/>
+                        <a:t>FRR: 0.13355</a:t>
+                      </a:r>
+                    </a:p>
+                    <a:p>
+                      <a:r>
+                        <a:rPr lang="en-US" dirty="0" smtClean="0"/>
+                        <a:t>FAR: 0.62518</a:t>
+                      </a:r>
+                      <a:endParaRPr lang="en-US" dirty="0"/>
+                    </a:p>
+                  </a:txBody>
+                  <a:tcPr/>
+                </a:tc>
+                <a:tc>
+                  <a:txBody>
+                    <a:bodyPr/>
+                    <a:lstStyle/>
+                    <a:p>
+                      <a:r>
+                        <a:rPr lang="en-US" dirty="0" smtClean="0"/>
+                        <a:t>FRR: 0.12859</a:t>
+                      </a:r>
+                    </a:p>
+                    <a:p>
+                      <a:r>
+                        <a:rPr lang="en-US" dirty="0" smtClean="0"/>
+                        <a:t>FAR: 0.62614</a:t>
+                      </a:r>
+                      <a:endParaRPr lang="en-US" dirty="0" smtClean="0"/>
+                    </a:p>
+                  </a:txBody>
+                  <a:tcPr/>
+                </a:tc>
+                <a:tc>
+                  <a:txBody>
+                    <a:bodyPr/>
+                    <a:lstStyle/>
+                    <a:p>
+                      <a:r>
+                        <a:rPr lang="en-US" dirty="0" smtClean="0"/>
+                        <a:t>FRR: 0.10968</a:t>
+                      </a:r>
+                    </a:p>
+                    <a:p>
+                      <a:r>
+                        <a:rPr lang="en-US" dirty="0" smtClean="0"/>
+                        <a:t>FAR: 0.49013</a:t>
                       </a:r>
                       <a:endParaRPr lang="en-US" dirty="0"/>
                     </a:p>
